--- a/Project Management/Team Structure.pptx
+++ b/Project Management/Team Structure.pptx
@@ -496,7 +496,7 @@
           <a:p>
             <a:fld id="{846CE7D5-CF57-46EF-B807-FDD0502418D4}" type="datetimeFigureOut">
               <a:rPr lang="en-US" smtClean="0"/>
-              <a:t>11/29/2022</a:t>
+              <a:t>11/30/2022</a:t>
             </a:fld>
             <a:endParaRPr lang="en-US"/>
           </a:p>
@@ -666,7 +666,7 @@
           <a:p>
             <a:fld id="{846CE7D5-CF57-46EF-B807-FDD0502418D4}" type="datetimeFigureOut">
               <a:rPr lang="en-US" smtClean="0"/>
-              <a:t>11/29/2022</a:t>
+              <a:t>11/30/2022</a:t>
             </a:fld>
             <a:endParaRPr lang="en-US"/>
           </a:p>
@@ -846,7 +846,7 @@
           <a:p>
             <a:fld id="{846CE7D5-CF57-46EF-B807-FDD0502418D4}" type="datetimeFigureOut">
               <a:rPr lang="en-US" smtClean="0"/>
-              <a:t>11/29/2022</a:t>
+              <a:t>11/30/2022</a:t>
             </a:fld>
             <a:endParaRPr lang="en-US"/>
           </a:p>
@@ -1016,7 +1016,7 @@
           <a:p>
             <a:fld id="{846CE7D5-CF57-46EF-B807-FDD0502418D4}" type="datetimeFigureOut">
               <a:rPr lang="en-US" smtClean="0"/>
-              <a:t>11/29/2022</a:t>
+              <a:t>11/30/2022</a:t>
             </a:fld>
             <a:endParaRPr lang="en-US"/>
           </a:p>
@@ -1262,7 +1262,7 @@
           <a:p>
             <a:fld id="{846CE7D5-CF57-46EF-B807-FDD0502418D4}" type="datetimeFigureOut">
               <a:rPr lang="en-US" smtClean="0"/>
-              <a:t>11/29/2022</a:t>
+              <a:t>11/30/2022</a:t>
             </a:fld>
             <a:endParaRPr lang="en-US"/>
           </a:p>
@@ -1494,7 +1494,7 @@
           <a:p>
             <a:fld id="{846CE7D5-CF57-46EF-B807-FDD0502418D4}" type="datetimeFigureOut">
               <a:rPr lang="en-US" smtClean="0"/>
-              <a:t>11/29/2022</a:t>
+              <a:t>11/30/2022</a:t>
             </a:fld>
             <a:endParaRPr lang="en-US"/>
           </a:p>
@@ -1861,7 +1861,7 @@
           <a:p>
             <a:fld id="{846CE7D5-CF57-46EF-B807-FDD0502418D4}" type="datetimeFigureOut">
               <a:rPr lang="en-US" smtClean="0"/>
-              <a:t>11/29/2022</a:t>
+              <a:t>11/30/2022</a:t>
             </a:fld>
             <a:endParaRPr lang="en-US"/>
           </a:p>
@@ -1979,7 +1979,7 @@
           <a:p>
             <a:fld id="{846CE7D5-CF57-46EF-B807-FDD0502418D4}" type="datetimeFigureOut">
               <a:rPr lang="en-US" smtClean="0"/>
-              <a:t>11/29/2022</a:t>
+              <a:t>11/30/2022</a:t>
             </a:fld>
             <a:endParaRPr lang="en-US"/>
           </a:p>
@@ -2074,7 +2074,7 @@
           <a:p>
             <a:fld id="{846CE7D5-CF57-46EF-B807-FDD0502418D4}" type="datetimeFigureOut">
               <a:rPr lang="en-US" smtClean="0"/>
-              <a:t>11/29/2022</a:t>
+              <a:t>11/30/2022</a:t>
             </a:fld>
             <a:endParaRPr lang="en-US"/>
           </a:p>
@@ -2351,7 +2351,7 @@
           <a:p>
             <a:fld id="{846CE7D5-CF57-46EF-B807-FDD0502418D4}" type="datetimeFigureOut">
               <a:rPr lang="en-US" smtClean="0"/>
-              <a:t>11/29/2022</a:t>
+              <a:t>11/30/2022</a:t>
             </a:fld>
             <a:endParaRPr lang="en-US"/>
           </a:p>
@@ -2608,7 +2608,7 @@
           <a:p>
             <a:fld id="{846CE7D5-CF57-46EF-B807-FDD0502418D4}" type="datetimeFigureOut">
               <a:rPr lang="en-US" smtClean="0"/>
-              <a:t>11/29/2022</a:t>
+              <a:t>11/30/2022</a:t>
             </a:fld>
             <a:endParaRPr lang="en-US"/>
           </a:p>
@@ -2821,7 +2821,7 @@
           <a:p>
             <a:fld id="{846CE7D5-CF57-46EF-B807-FDD0502418D4}" type="datetimeFigureOut">
               <a:rPr lang="en-US" smtClean="0"/>
-              <a:t>11/29/2022</a:t>
+              <a:t>11/30/2022</a:t>
             </a:fld>
             <a:endParaRPr lang="en-US"/>
           </a:p>
@@ -3806,7 +3806,7 @@
             <a:pPr algn="ctr"/>
             <a:r>
               <a:rPr lang="en-GB" sz="1200" dirty="0"/>
-              <a:t>Financial and Health and safety manager</a:t>
+              <a:t>Technical Administrator</a:t>
             </a:r>
           </a:p>
         </p:txBody>

--- a/Project Management/Team Structure.pptx
+++ b/Project Management/Team Structure.pptx
@@ -3290,7 +3290,7 @@
         <p:spPr>
           <a:xfrm>
             <a:off x="2467063" y="2037212"/>
-            <a:ext cx="1040235" cy="771787"/>
+            <a:ext cx="1040235" cy="1852621"/>
           </a:xfrm>
           <a:prstGeom prst="rect">
             <a:avLst/>
@@ -3322,6 +3322,13 @@
             <a:pPr algn="ctr"/>
             <a:r>
               <a:rPr lang="en-GB" dirty="0"/>
+              <a:t>Project Manager</a:t>
+            </a:r>
+          </a:p>
+          <a:p>
+            <a:pPr algn="ctr"/>
+            <a:r>
+              <a:rPr lang="en-GB" dirty="0"/>
               <a:t>Dominic</a:t>
             </a:r>
           </a:p>
@@ -3342,7 +3349,7 @@
         <p:spPr>
           <a:xfrm>
             <a:off x="6971948" y="2037209"/>
-            <a:ext cx="1040235" cy="771787"/>
+            <a:ext cx="1040235" cy="1852621"/>
           </a:xfrm>
           <a:prstGeom prst="rect">
             <a:avLst/>
@@ -3374,8 +3381,19 @@
             <a:pPr algn="ctr"/>
             <a:r>
               <a:rPr lang="en-GB" dirty="0"/>
+              <a:t>3D Design Manager </a:t>
+            </a:r>
+          </a:p>
+          <a:p>
+            <a:pPr algn="ctr"/>
+            <a:r>
+              <a:rPr lang="en-GB" dirty="0"/>
               <a:t>John</a:t>
             </a:r>
+          </a:p>
+          <a:p>
+            <a:pPr algn="ctr"/>
+            <a:endParaRPr lang="en-GB" dirty="0"/>
           </a:p>
         </p:txBody>
       </p:sp>
@@ -3394,7 +3412,7 @@
         <p:spPr>
           <a:xfrm>
             <a:off x="3968691" y="2037210"/>
-            <a:ext cx="1040235" cy="771787"/>
+            <a:ext cx="1040235" cy="1852621"/>
           </a:xfrm>
           <a:prstGeom prst="rect">
             <a:avLst/>
@@ -3426,6 +3444,17 @@
             <a:pPr algn="ctr"/>
             <a:r>
               <a:rPr lang="en-GB" dirty="0"/>
+              <a:t>Embedded System Manager</a:t>
+            </a:r>
+          </a:p>
+          <a:p>
+            <a:pPr algn="ctr"/>
+            <a:endParaRPr lang="en-GB" dirty="0"/>
+          </a:p>
+          <a:p>
+            <a:pPr algn="ctr"/>
+            <a:r>
+              <a:rPr lang="en-GB" dirty="0"/>
               <a:t>James</a:t>
             </a:r>
           </a:p>
@@ -3446,7 +3475,7 @@
         <p:spPr>
           <a:xfrm>
             <a:off x="5470320" y="2037211"/>
-            <a:ext cx="1040235" cy="771787"/>
+            <a:ext cx="1040235" cy="1852621"/>
           </a:xfrm>
           <a:prstGeom prst="rect">
             <a:avLst/>
@@ -3478,8 +3507,13 @@
             <a:pPr algn="ctr"/>
             <a:r>
               <a:rPr lang="en-GB" dirty="0"/>
-              <a:t>Saad</a:t>
-            </a:r>
+              <a:t>Mathematical </a:t>
+            </a:r>
+            <a:r>
+              <a:rPr lang="en-GB" dirty="0" err="1"/>
+              <a:t>designerSaad</a:t>
+            </a:r>
+            <a:endParaRPr lang="en-GB" dirty="0"/>
           </a:p>
         </p:txBody>
       </p:sp>
@@ -3498,7 +3532,7 @@
         <p:spPr>
           <a:xfrm>
             <a:off x="8473576" y="2037208"/>
-            <a:ext cx="1040235" cy="771787"/>
+            <a:ext cx="1040235" cy="1852621"/>
           </a:xfrm>
           <a:prstGeom prst="rect">
             <a:avLst/>
@@ -3549,7 +3583,7 @@
         </p:nvSpPr>
         <p:spPr>
           <a:xfrm>
-            <a:off x="2467063" y="3193496"/>
+            <a:off x="2467063" y="4630410"/>
             <a:ext cx="1040235" cy="771787"/>
           </a:xfrm>
           <a:prstGeom prst="rect">
@@ -3603,7 +3637,7 @@
         </p:nvSpPr>
         <p:spPr>
           <a:xfrm>
-            <a:off x="3968691" y="3193495"/>
+            <a:off x="3968691" y="4630409"/>
             <a:ext cx="1040235" cy="771787"/>
           </a:xfrm>
           <a:prstGeom prst="rect">
@@ -3657,7 +3691,7 @@
         </p:nvSpPr>
         <p:spPr>
           <a:xfrm>
-            <a:off x="5470319" y="3193495"/>
+            <a:off x="5470319" y="4630409"/>
             <a:ext cx="1040235" cy="771787"/>
           </a:xfrm>
           <a:prstGeom prst="rect">
@@ -3717,7 +3751,7 @@
         </p:nvSpPr>
         <p:spPr>
           <a:xfrm>
-            <a:off x="6971947" y="3193495"/>
+            <a:off x="6971947" y="4630409"/>
             <a:ext cx="1040235" cy="771787"/>
           </a:xfrm>
           <a:prstGeom prst="rect">
@@ -3771,7 +3805,7 @@
         </p:nvSpPr>
         <p:spPr>
           <a:xfrm>
-            <a:off x="8473576" y="3193496"/>
+            <a:off x="8473576" y="4630410"/>
             <a:ext cx="1040235" cy="771787"/>
           </a:xfrm>
           <a:prstGeom prst="rect">
@@ -3821,6 +3855,7 @@
             </a:extLst>
           </p:cNvPr>
           <p:cNvCxnSpPr>
+            <a:cxnSpLocks/>
             <a:stCxn id="5" idx="2"/>
             <a:endCxn id="14" idx="0"/>
           </p:cNvCxnSpPr>
@@ -3828,8 +3863,8 @@
         </p:nvCxnSpPr>
         <p:spPr>
           <a:xfrm>
-            <a:off x="2987181" y="2808999"/>
-            <a:ext cx="0" cy="384497"/>
+            <a:off x="2987181" y="3889833"/>
+            <a:ext cx="0" cy="740577"/>
           </a:xfrm>
           <a:prstGeom prst="straightConnector1">
             <a:avLst/>
@@ -3863,6 +3898,7 @@
             </a:extLst>
           </p:cNvPr>
           <p:cNvCxnSpPr>
+            <a:cxnSpLocks/>
             <a:stCxn id="11" idx="2"/>
             <a:endCxn id="15" idx="0"/>
           </p:cNvCxnSpPr>
@@ -3870,8 +3906,8 @@
         </p:nvCxnSpPr>
         <p:spPr>
           <a:xfrm>
-            <a:off x="4488809" y="2808997"/>
-            <a:ext cx="0" cy="384498"/>
+            <a:off x="4488809" y="3889831"/>
+            <a:ext cx="0" cy="740578"/>
           </a:xfrm>
           <a:prstGeom prst="straightConnector1">
             <a:avLst/>
@@ -3905,6 +3941,7 @@
             </a:extLst>
           </p:cNvPr>
           <p:cNvCxnSpPr>
+            <a:cxnSpLocks/>
             <a:stCxn id="12" idx="2"/>
             <a:endCxn id="16" idx="0"/>
           </p:cNvCxnSpPr>
@@ -3912,8 +3949,8 @@
         </p:nvCxnSpPr>
         <p:spPr>
           <a:xfrm flipH="1">
-            <a:off x="5990437" y="2808998"/>
-            <a:ext cx="1" cy="384497"/>
+            <a:off x="5990437" y="3889832"/>
+            <a:ext cx="1" cy="740577"/>
           </a:xfrm>
           <a:prstGeom prst="straightConnector1">
             <a:avLst/>
@@ -3947,6 +3984,7 @@
             </a:extLst>
           </p:cNvPr>
           <p:cNvCxnSpPr>
+            <a:cxnSpLocks/>
             <a:stCxn id="10" idx="2"/>
             <a:endCxn id="17" idx="0"/>
           </p:cNvCxnSpPr>
@@ -3954,8 +3992,8 @@
         </p:nvCxnSpPr>
         <p:spPr>
           <a:xfrm flipH="1">
-            <a:off x="7492065" y="2808996"/>
-            <a:ext cx="1" cy="384499"/>
+            <a:off x="7492065" y="3889830"/>
+            <a:ext cx="1" cy="740579"/>
           </a:xfrm>
           <a:prstGeom prst="straightConnector1">
             <a:avLst/>
@@ -3989,6 +4027,7 @@
             </a:extLst>
           </p:cNvPr>
           <p:cNvCxnSpPr>
+            <a:cxnSpLocks/>
             <a:stCxn id="13" idx="2"/>
             <a:endCxn id="18" idx="0"/>
           </p:cNvCxnSpPr>
@@ -3996,8 +4035,8 @@
         </p:nvCxnSpPr>
         <p:spPr>
           <a:xfrm>
-            <a:off x="8993694" y="2808995"/>
-            <a:ext cx="0" cy="384501"/>
+            <a:off x="8993694" y="3889829"/>
+            <a:ext cx="0" cy="740581"/>
           </a:xfrm>
           <a:prstGeom prst="straightConnector1">
             <a:avLst/>
@@ -4074,6 +4113,7 @@
             </a:extLst>
           </p:cNvPr>
           <p:cNvCxnSpPr>
+            <a:cxnSpLocks/>
             <a:stCxn id="4" idx="2"/>
             <a:endCxn id="11" idx="0"/>
           </p:cNvCxnSpPr>
@@ -4116,6 +4156,7 @@
             </a:extLst>
           </p:cNvPr>
           <p:cNvCxnSpPr>
+            <a:cxnSpLocks/>
             <a:stCxn id="4" idx="2"/>
             <a:endCxn id="12" idx="0"/>
           </p:cNvCxnSpPr>
@@ -4158,6 +4199,7 @@
             </a:extLst>
           </p:cNvPr>
           <p:cNvCxnSpPr>
+            <a:cxnSpLocks/>
             <a:stCxn id="4" idx="2"/>
             <a:endCxn id="10" idx="0"/>
           </p:cNvCxnSpPr>
@@ -4200,6 +4242,7 @@
             </a:extLst>
           </p:cNvPr>
           <p:cNvCxnSpPr>
+            <a:cxnSpLocks/>
             <a:stCxn id="4" idx="2"/>
             <a:endCxn id="13" idx="0"/>
           </p:cNvCxnSpPr>

--- a/Project Management/Team Structure.pptx
+++ b/Project Management/Team Structure.pptx
@@ -496,7 +496,7 @@
           <a:p>
             <a:fld id="{846CE7D5-CF57-46EF-B807-FDD0502418D4}" type="datetimeFigureOut">
               <a:rPr lang="en-US" smtClean="0"/>
-              <a:t>11/30/2022</a:t>
+              <a:t>12/22/2022</a:t>
             </a:fld>
             <a:endParaRPr lang="en-US"/>
           </a:p>
@@ -666,7 +666,7 @@
           <a:p>
             <a:fld id="{846CE7D5-CF57-46EF-B807-FDD0502418D4}" type="datetimeFigureOut">
               <a:rPr lang="en-US" smtClean="0"/>
-              <a:t>11/30/2022</a:t>
+              <a:t>12/22/2022</a:t>
             </a:fld>
             <a:endParaRPr lang="en-US"/>
           </a:p>
@@ -846,7 +846,7 @@
           <a:p>
             <a:fld id="{846CE7D5-CF57-46EF-B807-FDD0502418D4}" type="datetimeFigureOut">
               <a:rPr lang="en-US" smtClean="0"/>
-              <a:t>11/30/2022</a:t>
+              <a:t>12/22/2022</a:t>
             </a:fld>
             <a:endParaRPr lang="en-US"/>
           </a:p>
@@ -1016,7 +1016,7 @@
           <a:p>
             <a:fld id="{846CE7D5-CF57-46EF-B807-FDD0502418D4}" type="datetimeFigureOut">
               <a:rPr lang="en-US" smtClean="0"/>
-              <a:t>11/30/2022</a:t>
+              <a:t>12/22/2022</a:t>
             </a:fld>
             <a:endParaRPr lang="en-US"/>
           </a:p>
@@ -1262,7 +1262,7 @@
           <a:p>
             <a:fld id="{846CE7D5-CF57-46EF-B807-FDD0502418D4}" type="datetimeFigureOut">
               <a:rPr lang="en-US" smtClean="0"/>
-              <a:t>11/30/2022</a:t>
+              <a:t>12/22/2022</a:t>
             </a:fld>
             <a:endParaRPr lang="en-US"/>
           </a:p>
@@ -1494,7 +1494,7 @@
           <a:p>
             <a:fld id="{846CE7D5-CF57-46EF-B807-FDD0502418D4}" type="datetimeFigureOut">
               <a:rPr lang="en-US" smtClean="0"/>
-              <a:t>11/30/2022</a:t>
+              <a:t>12/22/2022</a:t>
             </a:fld>
             <a:endParaRPr lang="en-US"/>
           </a:p>
@@ -1861,7 +1861,7 @@
           <a:p>
             <a:fld id="{846CE7D5-CF57-46EF-B807-FDD0502418D4}" type="datetimeFigureOut">
               <a:rPr lang="en-US" smtClean="0"/>
-              <a:t>11/30/2022</a:t>
+              <a:t>12/22/2022</a:t>
             </a:fld>
             <a:endParaRPr lang="en-US"/>
           </a:p>
@@ -1979,7 +1979,7 @@
           <a:p>
             <a:fld id="{846CE7D5-CF57-46EF-B807-FDD0502418D4}" type="datetimeFigureOut">
               <a:rPr lang="en-US" smtClean="0"/>
-              <a:t>11/30/2022</a:t>
+              <a:t>12/22/2022</a:t>
             </a:fld>
             <a:endParaRPr lang="en-US"/>
           </a:p>
@@ -2074,7 +2074,7 @@
           <a:p>
             <a:fld id="{846CE7D5-CF57-46EF-B807-FDD0502418D4}" type="datetimeFigureOut">
               <a:rPr lang="en-US" smtClean="0"/>
-              <a:t>11/30/2022</a:t>
+              <a:t>12/22/2022</a:t>
             </a:fld>
             <a:endParaRPr lang="en-US"/>
           </a:p>
@@ -2351,7 +2351,7 @@
           <a:p>
             <a:fld id="{846CE7D5-CF57-46EF-B807-FDD0502418D4}" type="datetimeFigureOut">
               <a:rPr lang="en-US" smtClean="0"/>
-              <a:t>11/30/2022</a:t>
+              <a:t>12/22/2022</a:t>
             </a:fld>
             <a:endParaRPr lang="en-US"/>
           </a:p>
@@ -2608,7 +2608,7 @@
           <a:p>
             <a:fld id="{846CE7D5-CF57-46EF-B807-FDD0502418D4}" type="datetimeFigureOut">
               <a:rPr lang="en-US" smtClean="0"/>
-              <a:t>11/30/2022</a:t>
+              <a:t>12/22/2022</a:t>
             </a:fld>
             <a:endParaRPr lang="en-US"/>
           </a:p>
@@ -2821,7 +2821,7 @@
           <a:p>
             <a:fld id="{846CE7D5-CF57-46EF-B807-FDD0502418D4}" type="datetimeFigureOut">
               <a:rPr lang="en-US" smtClean="0"/>
-              <a:t>11/30/2022</a:t>
+              <a:t>12/22/2022</a:t>
             </a:fld>
             <a:endParaRPr lang="en-US"/>
           </a:p>
@@ -4275,6 +4275,36 @@
           </a:fontRef>
         </p:style>
       </p:cxnSp>
+      <p:pic>
+        <p:nvPicPr>
+          <p:cNvPr id="3" name="Picture 2">
+            <a:extLst>
+              <a:ext uri="{FF2B5EF4-FFF2-40B4-BE49-F238E27FC236}">
+                <a16:creationId xmlns:a16="http://schemas.microsoft.com/office/drawing/2014/main" id="{EA1C9368-CE3F-5597-6F2C-0585D2FC6E81}"/>
+              </a:ext>
+            </a:extLst>
+          </p:cNvPr>
+          <p:cNvPicPr>
+            <a:picLocks noChangeAspect="1"/>
+          </p:cNvPicPr>
+          <p:nvPr/>
+        </p:nvPicPr>
+        <p:blipFill>
+          <a:blip r:embed="rId2"/>
+          <a:stretch>
+            <a:fillRect/>
+          </a:stretch>
+        </p:blipFill>
+        <p:spPr>
+          <a:xfrm>
+            <a:off x="4818041" y="5742449"/>
+            <a:ext cx="5981700" cy="647700"/>
+          </a:xfrm>
+          <a:prstGeom prst="rect">
+            <a:avLst/>
+          </a:prstGeom>
+        </p:spPr>
+      </p:pic>
     </p:spTree>
     <p:extLst>
       <p:ext uri="{BB962C8B-B14F-4D97-AF65-F5344CB8AC3E}">
